--- a/Week_11/Day_1/decision trees and random forests.pptx
+++ b/Week_11/Day_1/decision trees and random forests.pptx
@@ -116,6 +116,11 @@
       </a:defRPr>
     </a:lvl9pPr>
   </p:defaultTextStyle>
+  <p:extLst>
+    <p:ext uri="{EFAFB233-063F-42B5-8137-9DF3F51BA10A}">
+      <p15:sldGuideLst xmlns:p15="http://schemas.microsoft.com/office/powerpoint/2012/main"/>
+    </p:ext>
+  </p:extLst>
 </p:presentation>
 </file>
 
@@ -9546,7 +9551,7 @@
   <dgm:whole/>
   <dgm:extLst>
     <a:ext uri="http://schemas.microsoft.com/office/drawing/2008/diagram">
-      <dsp:dataModelExt xmlns:dsp="http://schemas.microsoft.com/office/drawing/2008/diagram" relId="rId8" minVer="http://schemas.openxmlformats.org/drawingml/2006/diagram"/>
+      <dsp:dataModelExt xmlns:dsp="http://schemas.microsoft.com/office/drawing/2008/diagram" relId="rId9" minVer="http://schemas.openxmlformats.org/drawingml/2006/diagram"/>
     </a:ext>
     <a:ext uri="{C62137D5-CB1D-491B-B009-E17868A290BF}">
       <dgm14:recolorImg xmlns:dgm14="http://schemas.microsoft.com/office/drawing/2010/diagram" val="1"/>
@@ -30851,7 +30856,7 @@
           <a:p>
             <a:fld id="{ED6E1997-9E07-A14B-93F1-3A6E3BD2184E}" type="datetimeFigureOut">
               <a:rPr lang="en-US" smtClean="0"/>
-              <a:t>2/21/22</a:t>
+              <a:t>2/22/22</a:t>
             </a:fld>
             <a:endParaRPr lang="en-US"/>
           </a:p>
@@ -31165,7 +31170,7 @@
           <a:p>
             <a:r>
               <a:rPr lang="en-US" dirty="0"/>
-              <a:t>We want to look at whether a person like cats or violin charts or 3D charts can predict whether someone likes pie charts</a:t>
+              <a:t>We want to look at whether a person like cats or violin charts or 3D charts can predict whether someone likes pie charts – we have a set of test data to build the model.</a:t>
             </a:r>
           </a:p>
           <a:p>
@@ -31381,7 +31386,7 @@
           <a:p>
             <a:r>
               <a:rPr lang="en-US" dirty="0"/>
-              <a:t>Decision trees can have problems and are not sensitive to scale – a small change in the data can have a big impact on the model. Low predictive power, weak learner</a:t>
+              <a:t>Decision trees look simple to use and explain but their simplicity is also their downfall – scale can cause problems and a small change in the data can completely change the tree and the model</a:t>
             </a:r>
           </a:p>
         </p:txBody>
@@ -31403,7 +31408,7 @@
           <a:p>
             <a:fld id="{86A2F5D8-3A46-E649-9890-DCBB808F6966}" type="slidenum">
               <a:rPr lang="en-US" smtClean="0"/>
-              <a:t>9</a:t>
+              <a:t>8</a:t>
             </a:fld>
             <a:endParaRPr lang="en-US"/>
           </a:p>
@@ -31412,7 +31417,7 @@
     </p:spTree>
     <p:extLst>
       <p:ext uri="{BB962C8B-B14F-4D97-AF65-F5344CB8AC3E}">
-        <p14:creationId xmlns:p14="http://schemas.microsoft.com/office/powerpoint/2010/main" val="2883945447"/>
+        <p14:creationId xmlns:p14="http://schemas.microsoft.com/office/powerpoint/2010/main" val="363188975"/>
       </p:ext>
     </p:extLst>
   </p:cSld>
@@ -31468,7 +31473,114 @@
           <a:p>
             <a:r>
               <a:rPr lang="en-US" dirty="0"/>
-              <a:t>Running a large number of decision trees creates a forest for the model. The data is trained by bootstrapping. Results with the most predictions become the overall prediction</a:t>
+              <a:t>Decision trees can have problems and are not sensitive to scale – a small change in the data can have a big impact on the model. Low predictive power, weak learner</a:t>
+            </a:r>
+          </a:p>
+          <a:p>
+            <a:r>
+              <a:rPr lang="en-US" dirty="0"/>
+              <a:t>Decision trees can be replicated many times using bootstrapping and built up into a random decision forest</a:t>
+            </a:r>
+          </a:p>
+        </p:txBody>
+      </p:sp>
+      <p:sp>
+        <p:nvSpPr>
+          <p:cNvPr id="4" name="Slide Number Placeholder 3"/>
+          <p:cNvSpPr>
+            <a:spLocks noGrp="1"/>
+          </p:cNvSpPr>
+          <p:nvPr>
+            <p:ph type="sldNum" sz="quarter" idx="5"/>
+          </p:nvPr>
+        </p:nvSpPr>
+        <p:spPr/>
+        <p:txBody>
+          <a:bodyPr/>
+          <a:lstStyle/>
+          <a:p>
+            <a:fld id="{86A2F5D8-3A46-E649-9890-DCBB808F6966}" type="slidenum">
+              <a:rPr lang="en-US" smtClean="0"/>
+              <a:t>9</a:t>
+            </a:fld>
+            <a:endParaRPr lang="en-US"/>
+          </a:p>
+        </p:txBody>
+      </p:sp>
+    </p:spTree>
+    <p:extLst>
+      <p:ext uri="{BB962C8B-B14F-4D97-AF65-F5344CB8AC3E}">
+        <p14:creationId xmlns:p14="http://schemas.microsoft.com/office/powerpoint/2010/main" val="2883945447"/>
+      </p:ext>
+    </p:extLst>
+  </p:cSld>
+  <p:clrMapOvr>
+    <a:masterClrMapping/>
+  </p:clrMapOvr>
+</p:notes>
+</file>
+
+<file path=ppt/notesSlides/notesSlide5.xml><?xml version="1.0" encoding="utf-8"?>
+<p:notes xmlns:a="http://schemas.openxmlformats.org/drawingml/2006/main" xmlns:r="http://schemas.openxmlformats.org/officeDocument/2006/relationships" xmlns:p="http://schemas.openxmlformats.org/presentationml/2006/main">
+  <p:cSld>
+    <p:spTree>
+      <p:nvGrpSpPr>
+        <p:cNvPr id="1" name=""/>
+        <p:cNvGrpSpPr/>
+        <p:nvPr/>
+      </p:nvGrpSpPr>
+      <p:grpSpPr>
+        <a:xfrm>
+          <a:off x="0" y="0"/>
+          <a:ext cx="0" cy="0"/>
+          <a:chOff x="0" y="0"/>
+          <a:chExt cx="0" cy="0"/>
+        </a:xfrm>
+      </p:grpSpPr>
+      <p:sp>
+        <p:nvSpPr>
+          <p:cNvPr id="2" name="Slide Image Placeholder 1"/>
+          <p:cNvSpPr>
+            <a:spLocks noGrp="1" noRot="1" noChangeAspect="1"/>
+          </p:cNvSpPr>
+          <p:nvPr>
+            <p:ph type="sldImg"/>
+          </p:nvPr>
+        </p:nvSpPr>
+        <p:spPr/>
+      </p:sp>
+      <p:sp>
+        <p:nvSpPr>
+          <p:cNvPr id="3" name="Notes Placeholder 2"/>
+          <p:cNvSpPr>
+            <a:spLocks noGrp="1"/>
+          </p:cNvSpPr>
+          <p:nvPr>
+            <p:ph type="body" idx="1"/>
+          </p:nvPr>
+        </p:nvSpPr>
+        <p:spPr/>
+        <p:txBody>
+          <a:bodyPr/>
+          <a:lstStyle/>
+          <a:p>
+            <a:r>
+              <a:rPr lang="en-US" dirty="0"/>
+              <a:t>Running a large number of decision trees creates a forest for the model. The data is trained by bootstrapping</a:t>
+            </a:r>
+            <a:r>
+              <a:rPr lang="en-US"/>
+              <a:t>. </a:t>
+            </a:r>
+          </a:p>
+          <a:p>
+            <a:r>
+              <a:rPr lang="en-US"/>
+              <a:t>Results </a:t>
+            </a:r>
+            <a:r>
+              <a:rPr lang="en-US" dirty="0"/>
+              <a:t>with the most predictions become the overall prediction</a:t>
             </a:r>
           </a:p>
         </p:txBody>
@@ -31726,7 +31838,7 @@
           <a:p>
             <a:fld id="{8C1E1FAD-7351-4908-963A-08EA8E4AB7A0}" type="datetimeFigureOut">
               <a:rPr lang="en-US" smtClean="0"/>
-              <a:t>2/21/22</a:t>
+              <a:t>2/22/22</a:t>
             </a:fld>
             <a:endParaRPr lang="en-US"/>
           </a:p>
@@ -32061,7 +32173,7 @@
           <a:p>
             <a:fld id="{8C1E1FAD-7351-4908-963A-08EA8E4AB7A0}" type="datetimeFigureOut">
               <a:rPr lang="en-US" smtClean="0"/>
-              <a:t>2/21/22</a:t>
+              <a:t>2/22/22</a:t>
             </a:fld>
             <a:endParaRPr lang="en-US"/>
           </a:p>
@@ -32364,7 +32476,7 @@
           <a:p>
             <a:fld id="{8C1E1FAD-7351-4908-963A-08EA8E4AB7A0}" type="datetimeFigureOut">
               <a:rPr lang="en-US" smtClean="0"/>
-              <a:t>2/21/22</a:t>
+              <a:t>2/22/22</a:t>
             </a:fld>
             <a:endParaRPr lang="en-US"/>
           </a:p>
@@ -32612,7 +32724,7 @@
           <a:p>
             <a:fld id="{8C1E1FAD-7351-4908-963A-08EA8E4AB7A0}" type="datetimeFigureOut">
               <a:rPr lang="en-US" smtClean="0"/>
-              <a:t>2/21/22</a:t>
+              <a:t>2/22/22</a:t>
             </a:fld>
             <a:endParaRPr lang="en-US"/>
           </a:p>
@@ -33020,7 +33132,7 @@
           <a:p>
             <a:fld id="{8C1E1FAD-7351-4908-963A-08EA8E4AB7A0}" type="datetimeFigureOut">
               <a:rPr lang="en-US" smtClean="0"/>
-              <a:t>2/21/22</a:t>
+              <a:t>2/22/22</a:t>
             </a:fld>
             <a:endParaRPr lang="en-US"/>
           </a:p>
@@ -33335,7 +33447,7 @@
           <a:p>
             <a:fld id="{8C1E1FAD-7351-4908-963A-08EA8E4AB7A0}" type="datetimeFigureOut">
               <a:rPr lang="en-US" smtClean="0"/>
-              <a:t>2/21/22</a:t>
+              <a:t>2/22/22</a:t>
             </a:fld>
             <a:endParaRPr lang="en-US"/>
           </a:p>
@@ -33880,7 +33992,7 @@
           <a:p>
             <a:fld id="{8C1E1FAD-7351-4908-963A-08EA8E4AB7A0}" type="datetimeFigureOut">
               <a:rPr lang="en-US" smtClean="0"/>
-              <a:t>2/21/22</a:t>
+              <a:t>2/22/22</a:t>
             </a:fld>
             <a:endParaRPr lang="en-US"/>
           </a:p>
@@ -34076,7 +34188,7 @@
           <a:p>
             <a:fld id="{8C1E1FAD-7351-4908-963A-08EA8E4AB7A0}" type="datetimeFigureOut">
               <a:rPr lang="en-US" smtClean="0"/>
-              <a:t>2/21/22</a:t>
+              <a:t>2/22/22</a:t>
             </a:fld>
             <a:endParaRPr lang="en-US"/>
           </a:p>
@@ -34290,7 +34402,7 @@
           <a:p>
             <a:fld id="{8C1E1FAD-7351-4908-963A-08EA8E4AB7A0}" type="datetimeFigureOut">
               <a:rPr lang="en-US" smtClean="0"/>
-              <a:t>2/21/22</a:t>
+              <a:t>2/22/22</a:t>
             </a:fld>
             <a:endParaRPr lang="en-US"/>
           </a:p>
@@ -34660,7 +34772,7 @@
           <a:p>
             <a:fld id="{8C1E1FAD-7351-4908-963A-08EA8E4AB7A0}" type="datetimeFigureOut">
               <a:rPr lang="en-US" smtClean="0"/>
-              <a:t>2/21/22</a:t>
+              <a:t>2/22/22</a:t>
             </a:fld>
             <a:endParaRPr lang="en-US"/>
           </a:p>
@@ -35064,7 +35176,7 @@
           <a:p>
             <a:fld id="{8C1E1FAD-7351-4908-963A-08EA8E4AB7A0}" type="datetimeFigureOut">
               <a:rPr lang="en-US" smtClean="0"/>
-              <a:t>2/21/22</a:t>
+              <a:t>2/22/22</a:t>
             </a:fld>
             <a:endParaRPr lang="en-US"/>
           </a:p>
@@ -35376,7 +35488,7 @@
           <a:p>
             <a:fld id="{8C1E1FAD-7351-4908-963A-08EA8E4AB7A0}" type="datetimeFigureOut">
               <a:rPr lang="en-US" smtClean="0"/>
-              <a:t>2/21/22</a:t>
+              <a:t>2/22/22</a:t>
             </a:fld>
             <a:endParaRPr lang="en-US"/>
           </a:p>
@@ -41357,7 +41469,7 @@
           </p:nvPr>
         </p:nvPicPr>
         <p:blipFill>
-          <a:blip r:embed="rId2">
+          <a:blip r:embed="rId3">
             <a:extLst>
               <a:ext uri="{28A0092B-C50C-407E-A947-70E740481C1C}">
                 <a14:useLocalDpi xmlns:a14="http://schemas.microsoft.com/office/drawing/2010/main" val="0"/>
@@ -41402,7 +41514,7 @@
           </p:nvPr>
         </p:nvPicPr>
         <p:blipFill>
-          <a:blip r:embed="rId3">
+          <a:blip r:embed="rId4">
             <a:extLst>
               <a:ext uri="{28A0092B-C50C-407E-A947-70E740481C1C}">
                 <a14:useLocalDpi xmlns:a14="http://schemas.microsoft.com/office/drawing/2010/main" val="0"/>
@@ -41735,7 +41847,7 @@
           </p:nvPr>
         </p:nvPicPr>
         <p:blipFill>
-          <a:blip r:embed="rId3">
+          <a:blip r:embed="rId4">
             <a:extLst>
               <a:ext uri="{28A0092B-C50C-407E-A947-70E740481C1C}">
                 <a14:useLocalDpi xmlns:a14="http://schemas.microsoft.com/office/drawing/2010/main" val="0"/>
@@ -41853,7 +41965,7 @@
         </p:xfrm>
         <a:graphic>
           <a:graphicData uri="http://schemas.openxmlformats.org/drawingml/2006/diagram">
-            <dgm:relIds xmlns:dgm="http://schemas.openxmlformats.org/drawingml/2006/diagram" xmlns:r="http://schemas.openxmlformats.org/officeDocument/2006/relationships" r:dm="rId4" r:lo="rId5" r:qs="rId6" r:cs="rId7"/>
+            <dgm:relIds xmlns:dgm="http://schemas.openxmlformats.org/drawingml/2006/diagram" xmlns:r="http://schemas.openxmlformats.org/officeDocument/2006/relationships" r:dm="rId5" r:lo="rId6" r:qs="rId7" r:cs="rId8"/>
           </a:graphicData>
         </a:graphic>
       </p:graphicFrame>
@@ -42015,7 +42127,7 @@
             <a:pPr algn="l"/>
             <a:r>
               <a:rPr lang="en-GB" sz="4000" b="1" dirty="0"/>
-              <a:t>But what about the forest?</a:t>
+              <a:t>Random Decision Forests</a:t>
             </a:r>
             <a:endParaRPr lang="en-US" sz="4000" b="1" dirty="0"/>
           </a:p>
